--- a/proyectoARS.pptx
+++ b/proyectoARS.pptx
@@ -4489,6 +4489,114 @@
           <a:chExt cx="0" cy="0"/>
         </a:xfrm>
       </p:grpSpPr>
+      <p:pic>
+        <p:nvPicPr>
+          <p:cNvPr id="3" name="Imagen 2">
+            <a:extLst>
+              <a:ext uri="{FF2B5EF4-FFF2-40B4-BE49-F238E27FC236}">
+                <a16:creationId xmlns:a16="http://schemas.microsoft.com/office/drawing/2014/main" id="{32BE3083-27B3-414E-8ACB-9469A0D01550}"/>
+              </a:ext>
+            </a:extLst>
+          </p:cNvPr>
+          <p:cNvPicPr>
+            <a:picLocks noChangeAspect="1"/>
+          </p:cNvPicPr>
+          <p:nvPr/>
+        </p:nvPicPr>
+        <p:blipFill>
+          <a:blip r:embed="rId2">
+            <a:extLst>
+              <a:ext uri="{28A0092B-C50C-407E-A947-70E740481C1C}">
+                <a14:useLocalDpi xmlns:a14="http://schemas.microsoft.com/office/drawing/2010/main" val="0"/>
+              </a:ext>
+            </a:extLst>
+          </a:blip>
+          <a:stretch>
+            <a:fillRect/>
+          </a:stretch>
+        </p:blipFill>
+        <p:spPr>
+          <a:xfrm>
+            <a:off x="359092" y="287976"/>
+            <a:ext cx="11473815" cy="5960423"/>
+          </a:xfrm>
+          <a:prstGeom prst="rect">
+            <a:avLst/>
+          </a:prstGeom>
+        </p:spPr>
+      </p:pic>
+      <p:pic>
+        <p:nvPicPr>
+          <p:cNvPr id="5" name="Imagen 4">
+            <a:extLst>
+              <a:ext uri="{FF2B5EF4-FFF2-40B4-BE49-F238E27FC236}">
+                <a16:creationId xmlns:a16="http://schemas.microsoft.com/office/drawing/2014/main" id="{F58713DB-AC33-42A0-AB03-F78221BCF385}"/>
+              </a:ext>
+            </a:extLst>
+          </p:cNvPr>
+          <p:cNvPicPr>
+            <a:picLocks noChangeAspect="1"/>
+          </p:cNvPicPr>
+          <p:nvPr/>
+        </p:nvPicPr>
+        <p:blipFill>
+          <a:blip r:embed="rId3">
+            <a:extLst>
+              <a:ext uri="{28A0092B-C50C-407E-A947-70E740481C1C}">
+                <a14:useLocalDpi xmlns:a14="http://schemas.microsoft.com/office/drawing/2010/main" val="0"/>
+              </a:ext>
+            </a:extLst>
+          </a:blip>
+          <a:stretch>
+            <a:fillRect/>
+          </a:stretch>
+        </p:blipFill>
+        <p:spPr>
+          <a:xfrm>
+            <a:off x="9283509" y="4624754"/>
+            <a:ext cx="2772503" cy="1380836"/>
+          </a:xfrm>
+          <a:prstGeom prst="rect">
+            <a:avLst/>
+          </a:prstGeom>
+        </p:spPr>
+      </p:pic>
+      <p:pic>
+        <p:nvPicPr>
+          <p:cNvPr id="7" name="Imagen 6">
+            <a:extLst>
+              <a:ext uri="{FF2B5EF4-FFF2-40B4-BE49-F238E27FC236}">
+                <a16:creationId xmlns:a16="http://schemas.microsoft.com/office/drawing/2014/main" id="{C8D0B8D1-E240-4D22-88C0-482F5C550963}"/>
+              </a:ext>
+            </a:extLst>
+          </p:cNvPr>
+          <p:cNvPicPr>
+            <a:picLocks noChangeAspect="1"/>
+          </p:cNvPicPr>
+          <p:nvPr/>
+        </p:nvPicPr>
+        <p:blipFill>
+          <a:blip r:embed="rId4">
+            <a:extLst>
+              <a:ext uri="{28A0092B-C50C-407E-A947-70E740481C1C}">
+                <a14:useLocalDpi xmlns:a14="http://schemas.microsoft.com/office/drawing/2010/main" val="0"/>
+              </a:ext>
+            </a:extLst>
+          </a:blip>
+          <a:stretch>
+            <a:fillRect/>
+          </a:stretch>
+        </p:blipFill>
+        <p:spPr>
+          <a:xfrm>
+            <a:off x="0" y="112540"/>
+            <a:ext cx="2739161" cy="2618905"/>
+          </a:xfrm>
+          <a:prstGeom prst="rect">
+            <a:avLst/>
+          </a:prstGeom>
+        </p:spPr>
+      </p:pic>
     </p:spTree>
     <p:extLst>
       <p:ext uri="{BB962C8B-B14F-4D97-AF65-F5344CB8AC3E}">
@@ -4499,6 +4607,225 @@
   <p:clrMapOvr>
     <a:masterClrMapping/>
   </p:clrMapOvr>
+  <p:timing>
+    <p:tnLst>
+      <p:par>
+        <p:cTn id="1" dur="indefinite" restart="never" nodeType="tmRoot">
+          <p:childTnLst>
+            <p:seq concurrent="1" nextAc="seek">
+              <p:cTn id="2" dur="indefinite" nodeType="mainSeq">
+                <p:childTnLst>
+                  <p:par>
+                    <p:cTn id="3" fill="hold">
+                      <p:stCondLst>
+                        <p:cond delay="indefinite"/>
+                        <p:cond evt="onBegin" delay="0">
+                          <p:tn val="2"/>
+                        </p:cond>
+                      </p:stCondLst>
+                      <p:childTnLst>
+                        <p:par>
+                          <p:cTn id="4" fill="hold">
+                            <p:stCondLst>
+                              <p:cond delay="0"/>
+                            </p:stCondLst>
+                            <p:childTnLst>
+                              <p:par>
+                                <p:cTn id="5" presetID="32" presetClass="emph" presetSubtype="0" fill="hold" nodeType="withEffect">
+                                  <p:stCondLst>
+                                    <p:cond delay="0"/>
+                                  </p:stCondLst>
+                                  <p:childTnLst>
+                                    <p:animRot by="120000">
+                                      <p:cBhvr>
+                                        <p:cTn id="6" dur="100" fill="hold">
+                                          <p:stCondLst>
+                                            <p:cond delay="0"/>
+                                          </p:stCondLst>
+                                        </p:cTn>
+                                        <p:tgtEl>
+                                          <p:spTgt spid="7"/>
+                                        </p:tgtEl>
+                                        <p:attrNameLst>
+                                          <p:attrName>r</p:attrName>
+                                        </p:attrNameLst>
+                                      </p:cBhvr>
+                                    </p:animRot>
+                                    <p:animRot by="-240000">
+                                      <p:cBhvr>
+                                        <p:cTn id="7" dur="200" fill="hold">
+                                          <p:stCondLst>
+                                            <p:cond delay="200"/>
+                                          </p:stCondLst>
+                                        </p:cTn>
+                                        <p:tgtEl>
+                                          <p:spTgt spid="7"/>
+                                        </p:tgtEl>
+                                        <p:attrNameLst>
+                                          <p:attrName>r</p:attrName>
+                                        </p:attrNameLst>
+                                      </p:cBhvr>
+                                    </p:animRot>
+                                    <p:animRot by="240000">
+                                      <p:cBhvr>
+                                        <p:cTn id="8" dur="200" fill="hold">
+                                          <p:stCondLst>
+                                            <p:cond delay="400"/>
+                                          </p:stCondLst>
+                                        </p:cTn>
+                                        <p:tgtEl>
+                                          <p:spTgt spid="7"/>
+                                        </p:tgtEl>
+                                        <p:attrNameLst>
+                                          <p:attrName>r</p:attrName>
+                                        </p:attrNameLst>
+                                      </p:cBhvr>
+                                    </p:animRot>
+                                    <p:animRot by="-240000">
+                                      <p:cBhvr>
+                                        <p:cTn id="9" dur="200" fill="hold">
+                                          <p:stCondLst>
+                                            <p:cond delay="600"/>
+                                          </p:stCondLst>
+                                        </p:cTn>
+                                        <p:tgtEl>
+                                          <p:spTgt spid="7"/>
+                                        </p:tgtEl>
+                                        <p:attrNameLst>
+                                          <p:attrName>r</p:attrName>
+                                        </p:attrNameLst>
+                                      </p:cBhvr>
+                                    </p:animRot>
+                                    <p:animRot by="120000">
+                                      <p:cBhvr>
+                                        <p:cTn id="10" dur="200" fill="hold">
+                                          <p:stCondLst>
+                                            <p:cond delay="800"/>
+                                          </p:stCondLst>
+                                        </p:cTn>
+                                        <p:tgtEl>
+                                          <p:spTgt spid="7"/>
+                                        </p:tgtEl>
+                                        <p:attrNameLst>
+                                          <p:attrName>r</p:attrName>
+                                        </p:attrNameLst>
+                                      </p:cBhvr>
+                                    </p:animRot>
+                                  </p:childTnLst>
+                                </p:cTn>
+                              </p:par>
+                              <p:par>
+                                <p:cTn id="11" presetID="32" presetClass="emph" presetSubtype="0" fill="hold" nodeType="withEffect">
+                                  <p:stCondLst>
+                                    <p:cond delay="0"/>
+                                  </p:stCondLst>
+                                  <p:childTnLst>
+                                    <p:animRot by="120000">
+                                      <p:cBhvr>
+                                        <p:cTn id="12" dur="100" fill="hold">
+                                          <p:stCondLst>
+                                            <p:cond delay="0"/>
+                                          </p:stCondLst>
+                                        </p:cTn>
+                                        <p:tgtEl>
+                                          <p:spTgt spid="5"/>
+                                        </p:tgtEl>
+                                        <p:attrNameLst>
+                                          <p:attrName>r</p:attrName>
+                                        </p:attrNameLst>
+                                      </p:cBhvr>
+                                    </p:animRot>
+                                    <p:animRot by="-240000">
+                                      <p:cBhvr>
+                                        <p:cTn id="13" dur="200" fill="hold">
+                                          <p:stCondLst>
+                                            <p:cond delay="200"/>
+                                          </p:stCondLst>
+                                        </p:cTn>
+                                        <p:tgtEl>
+                                          <p:spTgt spid="5"/>
+                                        </p:tgtEl>
+                                        <p:attrNameLst>
+                                          <p:attrName>r</p:attrName>
+                                        </p:attrNameLst>
+                                      </p:cBhvr>
+                                    </p:animRot>
+                                    <p:animRot by="240000">
+                                      <p:cBhvr>
+                                        <p:cTn id="14" dur="200" fill="hold">
+                                          <p:stCondLst>
+                                            <p:cond delay="400"/>
+                                          </p:stCondLst>
+                                        </p:cTn>
+                                        <p:tgtEl>
+                                          <p:spTgt spid="5"/>
+                                        </p:tgtEl>
+                                        <p:attrNameLst>
+                                          <p:attrName>r</p:attrName>
+                                        </p:attrNameLst>
+                                      </p:cBhvr>
+                                    </p:animRot>
+                                    <p:animRot by="-240000">
+                                      <p:cBhvr>
+                                        <p:cTn id="15" dur="200" fill="hold">
+                                          <p:stCondLst>
+                                            <p:cond delay="600"/>
+                                          </p:stCondLst>
+                                        </p:cTn>
+                                        <p:tgtEl>
+                                          <p:spTgt spid="5"/>
+                                        </p:tgtEl>
+                                        <p:attrNameLst>
+                                          <p:attrName>r</p:attrName>
+                                        </p:attrNameLst>
+                                      </p:cBhvr>
+                                    </p:animRot>
+                                    <p:animRot by="120000">
+                                      <p:cBhvr>
+                                        <p:cTn id="16" dur="200" fill="hold">
+                                          <p:stCondLst>
+                                            <p:cond delay="800"/>
+                                          </p:stCondLst>
+                                        </p:cTn>
+                                        <p:tgtEl>
+                                          <p:spTgt spid="5"/>
+                                        </p:tgtEl>
+                                        <p:attrNameLst>
+                                          <p:attrName>r</p:attrName>
+                                        </p:attrNameLst>
+                                      </p:cBhvr>
+                                    </p:animRot>
+                                  </p:childTnLst>
+                                </p:cTn>
+                              </p:par>
+                            </p:childTnLst>
+                          </p:cTn>
+                        </p:par>
+                      </p:childTnLst>
+                    </p:cTn>
+                  </p:par>
+                </p:childTnLst>
+              </p:cTn>
+              <p:prevCondLst>
+                <p:cond evt="onPrev" delay="0">
+                  <p:tgtEl>
+                    <p:sldTgt/>
+                  </p:tgtEl>
+                </p:cond>
+              </p:prevCondLst>
+              <p:nextCondLst>
+                <p:cond evt="onNext" delay="0">
+                  <p:tgtEl>
+                    <p:sldTgt/>
+                  </p:tgtEl>
+                </p:cond>
+              </p:nextCondLst>
+            </p:seq>
+          </p:childTnLst>
+        </p:cTn>
+      </p:par>
+    </p:tnLst>
+  </p:timing>
 </p:sld>
 </file>
 

--- a/proyectoARS.pptx
+++ b/proyectoARS.pptx
@@ -351,7 +351,7 @@
           <a:p>
             <a:fld id="{B7AAC8B2-30A7-47A5-A1A4-715943143F60}" type="datetimeFigureOut">
               <a:rPr lang="es-ES" smtClean="0"/>
-              <a:t>28/11/2018</a:t>
+              <a:t>03/12/2018</a:t>
             </a:fld>
             <a:endParaRPr lang="es-ES"/>
           </a:p>
@@ -559,7 +559,7 @@
           <a:p>
             <a:fld id="{B7AAC8B2-30A7-47A5-A1A4-715943143F60}" type="datetimeFigureOut">
               <a:rPr lang="es-ES" smtClean="0"/>
-              <a:t>28/11/2018</a:t>
+              <a:t>03/12/2018</a:t>
             </a:fld>
             <a:endParaRPr lang="es-ES"/>
           </a:p>
@@ -815,7 +815,7 @@
           <a:p>
             <a:fld id="{B7AAC8B2-30A7-47A5-A1A4-715943143F60}" type="datetimeFigureOut">
               <a:rPr lang="es-ES" smtClean="0"/>
-              <a:t>28/11/2018</a:t>
+              <a:t>03/12/2018</a:t>
             </a:fld>
             <a:endParaRPr lang="es-ES"/>
           </a:p>
@@ -985,7 +985,7 @@
           <a:p>
             <a:fld id="{B7AAC8B2-30A7-47A5-A1A4-715943143F60}" type="datetimeFigureOut">
               <a:rPr lang="es-ES" smtClean="0"/>
-              <a:t>28/11/2018</a:t>
+              <a:t>03/12/2018</a:t>
             </a:fld>
             <a:endParaRPr lang="es-ES"/>
           </a:p>
@@ -1328,7 +1328,7 @@
           <a:p>
             <a:fld id="{B7AAC8B2-30A7-47A5-A1A4-715943143F60}" type="datetimeFigureOut">
               <a:rPr lang="es-ES" smtClean="0"/>
-              <a:t>28/11/2018</a:t>
+              <a:t>03/12/2018</a:t>
             </a:fld>
             <a:endParaRPr lang="es-ES"/>
           </a:p>
@@ -1603,7 +1603,7 @@
           <a:p>
             <a:fld id="{B7AAC8B2-30A7-47A5-A1A4-715943143F60}" type="datetimeFigureOut">
               <a:rPr lang="es-ES" smtClean="0"/>
-              <a:t>28/11/2018</a:t>
+              <a:t>03/12/2018</a:t>
             </a:fld>
             <a:endParaRPr lang="es-ES"/>
           </a:p>
@@ -1982,7 +1982,7 @@
           <a:p>
             <a:fld id="{B7AAC8B2-30A7-47A5-A1A4-715943143F60}" type="datetimeFigureOut">
               <a:rPr lang="es-ES" smtClean="0"/>
-              <a:t>28/11/2018</a:t>
+              <a:t>03/12/2018</a:t>
             </a:fld>
             <a:endParaRPr lang="es-ES"/>
           </a:p>
@@ -2100,7 +2100,7 @@
           <a:p>
             <a:fld id="{B7AAC8B2-30A7-47A5-A1A4-715943143F60}" type="datetimeFigureOut">
               <a:rPr lang="es-ES" smtClean="0"/>
-              <a:t>28/11/2018</a:t>
+              <a:t>03/12/2018</a:t>
             </a:fld>
             <a:endParaRPr lang="es-ES"/>
           </a:p>
@@ -2271,7 +2271,7 @@
           <a:p>
             <a:fld id="{B7AAC8B2-30A7-47A5-A1A4-715943143F60}" type="datetimeFigureOut">
               <a:rPr lang="es-ES" smtClean="0"/>
-              <a:t>28/11/2018</a:t>
+              <a:t>03/12/2018</a:t>
             </a:fld>
             <a:endParaRPr lang="es-ES"/>
           </a:p>
@@ -2625,7 +2625,7 @@
           <a:p>
             <a:fld id="{B7AAC8B2-30A7-47A5-A1A4-715943143F60}" type="datetimeFigureOut">
               <a:rPr lang="es-ES" smtClean="0"/>
-              <a:t>28/11/2018</a:t>
+              <a:t>03/12/2018</a:t>
             </a:fld>
             <a:endParaRPr lang="es-ES"/>
           </a:p>
@@ -3002,7 +3002,7 @@
           <a:p>
             <a:fld id="{B7AAC8B2-30A7-47A5-A1A4-715943143F60}" type="datetimeFigureOut">
               <a:rPr lang="es-ES" smtClean="0"/>
-              <a:t>28/11/2018</a:t>
+              <a:t>03/12/2018</a:t>
             </a:fld>
             <a:endParaRPr lang="es-ES"/>
           </a:p>
@@ -3289,7 +3289,7 @@
           <a:p>
             <a:fld id="{B7AAC8B2-30A7-47A5-A1A4-715943143F60}" type="datetimeFigureOut">
               <a:rPr lang="es-ES" smtClean="0"/>
-              <a:t>28/11/2018</a:t>
+              <a:t>03/12/2018</a:t>
             </a:fld>
             <a:endParaRPr lang="es-ES"/>
           </a:p>
@@ -5267,8 +5267,8 @@
         </p:blipFill>
         <p:spPr>
           <a:xfrm>
-            <a:off x="308284" y="140559"/>
-            <a:ext cx="1891577" cy="3649563"/>
+            <a:off x="0" y="405602"/>
+            <a:ext cx="2584174" cy="4985842"/>
           </a:xfrm>
           <a:prstGeom prst="rect">
             <a:avLst/>
@@ -5302,79 +5302,8 @@
         </p:blipFill>
         <p:spPr>
           <a:xfrm>
-            <a:off x="2387984" y="362853"/>
-            <a:ext cx="4663450" cy="2843853"/>
-          </a:xfrm>
-          <a:prstGeom prst="rect">
-            <a:avLst/>
-          </a:prstGeom>
-        </p:spPr>
-      </p:pic>
-      <p:pic>
-        <p:nvPicPr>
-          <p:cNvPr id="11" name="Imagen 10">
-            <a:extLst>
-              <a:ext uri="{FF2B5EF4-FFF2-40B4-BE49-F238E27FC236}">
-                <a16:creationId xmlns:a16="http://schemas.microsoft.com/office/drawing/2014/main" id="{6EF98193-8002-455F-AB6F-584FAFCCFF2F}"/>
-              </a:ext>
-            </a:extLst>
-          </p:cNvPr>
-          <p:cNvPicPr>
-            <a:picLocks noChangeAspect="1"/>
-          </p:cNvPicPr>
-          <p:nvPr/>
-        </p:nvPicPr>
-        <p:blipFill>
-          <a:blip r:embed="rId4">
-            <a:extLst>
-              <a:ext uri="{28A0092B-C50C-407E-A947-70E740481C1C}">
-                <a14:useLocalDpi xmlns:a14="http://schemas.microsoft.com/office/drawing/2010/main" val="0"/>
-              </a:ext>
-            </a:extLst>
-          </a:blip>
-          <a:stretch>
-            <a:fillRect/>
-          </a:stretch>
-        </p:blipFill>
-        <p:spPr>
-          <a:xfrm>
-            <a:off x="7239557" y="140559"/>
-            <a:ext cx="4870392" cy="4311694"/>
-          </a:xfrm>
-          <a:prstGeom prst="rect">
-            <a:avLst/>
-          </a:prstGeom>
-        </p:spPr>
-      </p:pic>
-      <p:pic>
-        <p:nvPicPr>
-          <p:cNvPr id="9" name="Imagen 8">
-            <a:extLst>
-              <a:ext uri="{FF2B5EF4-FFF2-40B4-BE49-F238E27FC236}">
-                <a16:creationId xmlns:a16="http://schemas.microsoft.com/office/drawing/2014/main" id="{84B32779-BB5F-4A84-8077-5C92BC402F1D}"/>
-              </a:ext>
-            </a:extLst>
-          </p:cNvPr>
-          <p:cNvPicPr>
-            <a:picLocks noChangeAspect="1"/>
-          </p:cNvPicPr>
-          <p:nvPr/>
-        </p:nvPicPr>
-        <p:blipFill rotWithShape="1">
-          <a:blip r:embed="rId5">
-            <a:extLst>
-              <a:ext uri="{28A0092B-C50C-407E-A947-70E740481C1C}">
-                <a14:useLocalDpi xmlns:a14="http://schemas.microsoft.com/office/drawing/2010/main" val="0"/>
-              </a:ext>
-            </a:extLst>
-          </a:blip>
-          <a:srcRect r="36304"/>
-          <a:stretch/>
-        </p:blipFill>
-        <p:spPr>
-          <a:xfrm>
-            <a:off x="-1" y="1743925"/>
-            <a:ext cx="12192002" cy="4641523"/>
+            <a:off x="2795493" y="405602"/>
+            <a:ext cx="9396507" cy="5730154"/>
           </a:xfrm>
           <a:prstGeom prst="rect">
             <a:avLst/>
@@ -5495,33 +5424,15 @@
                                   </p:childTnLst>
                                 </p:cTn>
                               </p:par>
-                            </p:childTnLst>
-                          </p:cTn>
-                        </p:par>
-                      </p:childTnLst>
-                    </p:cTn>
-                  </p:par>
-                  <p:par>
-                    <p:cTn id="10" fill="hold">
-                      <p:stCondLst>
-                        <p:cond delay="indefinite"/>
-                      </p:stCondLst>
-                      <p:childTnLst>
-                        <p:par>
-                          <p:cTn id="11" fill="hold">
-                            <p:stCondLst>
-                              <p:cond delay="0"/>
-                            </p:stCondLst>
-                            <p:childTnLst>
                               <p:par>
-                                <p:cTn id="12" presetID="42" presetClass="entr" presetSubtype="0" fill="hold" nodeType="clickEffect">
+                                <p:cTn id="10" presetID="42" presetClass="entr" presetSubtype="0" fill="hold" nodeType="withEffect">
                                   <p:stCondLst>
                                     <p:cond delay="0"/>
                                   </p:stCondLst>
                                   <p:childTnLst>
                                     <p:set>
                                       <p:cBhvr>
-                                        <p:cTn id="13" dur="1" fill="hold">
+                                        <p:cTn id="11" dur="1" fill="hold">
                                           <p:stCondLst>
                                             <p:cond delay="0"/>
                                           </p:stCondLst>
@@ -5539,7 +5450,7 @@
                                     </p:set>
                                     <p:animEffect transition="in" filter="fade">
                                       <p:cBhvr>
-                                        <p:cTn id="14" dur="1000"/>
+                                        <p:cTn id="12" dur="1000"/>
                                         <p:tgtEl>
                                           <p:spTgt spid="5"/>
                                         </p:tgtEl>
@@ -5547,7 +5458,7 @@
                                     </p:animEffect>
                                     <p:anim calcmode="lin" valueType="num">
                                       <p:cBhvr>
-                                        <p:cTn id="15" dur="1000" fill="hold"/>
+                                        <p:cTn id="13" dur="1000" fill="hold"/>
                                         <p:tgtEl>
                                           <p:spTgt spid="5"/>
                                         </p:tgtEl>
@@ -5570,207 +5481,9 @@
                                     </p:anim>
                                     <p:anim calcmode="lin" valueType="num">
                                       <p:cBhvr>
-                                        <p:cTn id="16" dur="1000" fill="hold"/>
+                                        <p:cTn id="14" dur="1000" fill="hold"/>
                                         <p:tgtEl>
                                           <p:spTgt spid="5"/>
-                                        </p:tgtEl>
-                                        <p:attrNameLst>
-                                          <p:attrName>ppt_y</p:attrName>
-                                        </p:attrNameLst>
-                                      </p:cBhvr>
-                                      <p:tavLst>
-                                        <p:tav tm="0">
-                                          <p:val>
-                                            <p:strVal val="#ppt_y+.1"/>
-                                          </p:val>
-                                        </p:tav>
-                                        <p:tav tm="100000">
-                                          <p:val>
-                                            <p:strVal val="#ppt_y"/>
-                                          </p:val>
-                                        </p:tav>
-                                      </p:tavLst>
-                                    </p:anim>
-                                  </p:childTnLst>
-                                </p:cTn>
-                              </p:par>
-                            </p:childTnLst>
-                          </p:cTn>
-                        </p:par>
-                      </p:childTnLst>
-                    </p:cTn>
-                  </p:par>
-                  <p:par>
-                    <p:cTn id="17" fill="hold">
-                      <p:stCondLst>
-                        <p:cond delay="indefinite"/>
-                      </p:stCondLst>
-                      <p:childTnLst>
-                        <p:par>
-                          <p:cTn id="18" fill="hold">
-                            <p:stCondLst>
-                              <p:cond delay="0"/>
-                            </p:stCondLst>
-                            <p:childTnLst>
-                              <p:par>
-                                <p:cTn id="19" presetID="42" presetClass="entr" presetSubtype="0" fill="hold" nodeType="clickEffect">
-                                  <p:stCondLst>
-                                    <p:cond delay="0"/>
-                                  </p:stCondLst>
-                                  <p:childTnLst>
-                                    <p:set>
-                                      <p:cBhvr>
-                                        <p:cTn id="20" dur="1" fill="hold">
-                                          <p:stCondLst>
-                                            <p:cond delay="0"/>
-                                          </p:stCondLst>
-                                        </p:cTn>
-                                        <p:tgtEl>
-                                          <p:spTgt spid="11"/>
-                                        </p:tgtEl>
-                                        <p:attrNameLst>
-                                          <p:attrName>style.visibility</p:attrName>
-                                        </p:attrNameLst>
-                                      </p:cBhvr>
-                                      <p:to>
-                                        <p:strVal val="visible"/>
-                                      </p:to>
-                                    </p:set>
-                                    <p:animEffect transition="in" filter="fade">
-                                      <p:cBhvr>
-                                        <p:cTn id="21" dur="1000"/>
-                                        <p:tgtEl>
-                                          <p:spTgt spid="11"/>
-                                        </p:tgtEl>
-                                      </p:cBhvr>
-                                    </p:animEffect>
-                                    <p:anim calcmode="lin" valueType="num">
-                                      <p:cBhvr>
-                                        <p:cTn id="22" dur="1000" fill="hold"/>
-                                        <p:tgtEl>
-                                          <p:spTgt spid="11"/>
-                                        </p:tgtEl>
-                                        <p:attrNameLst>
-                                          <p:attrName>ppt_x</p:attrName>
-                                        </p:attrNameLst>
-                                      </p:cBhvr>
-                                      <p:tavLst>
-                                        <p:tav tm="0">
-                                          <p:val>
-                                            <p:strVal val="#ppt_x"/>
-                                          </p:val>
-                                        </p:tav>
-                                        <p:tav tm="100000">
-                                          <p:val>
-                                            <p:strVal val="#ppt_x"/>
-                                          </p:val>
-                                        </p:tav>
-                                      </p:tavLst>
-                                    </p:anim>
-                                    <p:anim calcmode="lin" valueType="num">
-                                      <p:cBhvr>
-                                        <p:cTn id="23" dur="1000" fill="hold"/>
-                                        <p:tgtEl>
-                                          <p:spTgt spid="11"/>
-                                        </p:tgtEl>
-                                        <p:attrNameLst>
-                                          <p:attrName>ppt_y</p:attrName>
-                                        </p:attrNameLst>
-                                      </p:cBhvr>
-                                      <p:tavLst>
-                                        <p:tav tm="0">
-                                          <p:val>
-                                            <p:strVal val="#ppt_y+.1"/>
-                                          </p:val>
-                                        </p:tav>
-                                        <p:tav tm="100000">
-                                          <p:val>
-                                            <p:strVal val="#ppt_y"/>
-                                          </p:val>
-                                        </p:tav>
-                                      </p:tavLst>
-                                    </p:anim>
-                                  </p:childTnLst>
-                                </p:cTn>
-                              </p:par>
-                            </p:childTnLst>
-                          </p:cTn>
-                        </p:par>
-                      </p:childTnLst>
-                    </p:cTn>
-                  </p:par>
-                  <p:par>
-                    <p:cTn id="24" fill="hold">
-                      <p:stCondLst>
-                        <p:cond delay="indefinite"/>
-                      </p:stCondLst>
-                      <p:childTnLst>
-                        <p:par>
-                          <p:cTn id="25" fill="hold">
-                            <p:stCondLst>
-                              <p:cond delay="0"/>
-                            </p:stCondLst>
-                            <p:childTnLst>
-                              <p:par>
-                                <p:cTn id="26" presetID="42" presetClass="entr" presetSubtype="0" fill="hold" nodeType="clickEffect">
-                                  <p:stCondLst>
-                                    <p:cond delay="0"/>
-                                  </p:stCondLst>
-                                  <p:childTnLst>
-                                    <p:set>
-                                      <p:cBhvr>
-                                        <p:cTn id="27" dur="1" fill="hold">
-                                          <p:stCondLst>
-                                            <p:cond delay="0"/>
-                                          </p:stCondLst>
-                                        </p:cTn>
-                                        <p:tgtEl>
-                                          <p:spTgt spid="9"/>
-                                        </p:tgtEl>
-                                        <p:attrNameLst>
-                                          <p:attrName>style.visibility</p:attrName>
-                                        </p:attrNameLst>
-                                      </p:cBhvr>
-                                      <p:to>
-                                        <p:strVal val="visible"/>
-                                      </p:to>
-                                    </p:set>
-                                    <p:animEffect transition="in" filter="fade">
-                                      <p:cBhvr>
-                                        <p:cTn id="28" dur="1000"/>
-                                        <p:tgtEl>
-                                          <p:spTgt spid="9"/>
-                                        </p:tgtEl>
-                                      </p:cBhvr>
-                                    </p:animEffect>
-                                    <p:anim calcmode="lin" valueType="num">
-                                      <p:cBhvr>
-                                        <p:cTn id="29" dur="1000" fill="hold"/>
-                                        <p:tgtEl>
-                                          <p:spTgt spid="9"/>
-                                        </p:tgtEl>
-                                        <p:attrNameLst>
-                                          <p:attrName>ppt_x</p:attrName>
-                                        </p:attrNameLst>
-                                      </p:cBhvr>
-                                      <p:tavLst>
-                                        <p:tav tm="0">
-                                          <p:val>
-                                            <p:strVal val="#ppt_x"/>
-                                          </p:val>
-                                        </p:tav>
-                                        <p:tav tm="100000">
-                                          <p:val>
-                                            <p:strVal val="#ppt_x"/>
-                                          </p:val>
-                                        </p:tav>
-                                      </p:tavLst>
-                                    </p:anim>
-                                    <p:anim calcmode="lin" valueType="num">
-                                      <p:cBhvr>
-                                        <p:cTn id="30" dur="1000" fill="hold"/>
-                                        <p:tgtEl>
-                                          <p:spTgt spid="9"/>
                                         </p:tgtEl>
                                         <p:attrNameLst>
                                           <p:attrName>ppt_y</p:attrName>
@@ -5842,93 +5555,6 @@
       </p:grpSpPr>
       <p:pic>
         <p:nvPicPr>
-          <p:cNvPr id="3" name="Imagen 2">
-            <a:extLst>
-              <a:ext uri="{FF2B5EF4-FFF2-40B4-BE49-F238E27FC236}">
-                <a16:creationId xmlns:a16="http://schemas.microsoft.com/office/drawing/2014/main" id="{5AA1802E-6805-4BE4-81B0-348DA3D373D9}"/>
-              </a:ext>
-            </a:extLst>
-          </p:cNvPr>
-          <p:cNvPicPr>
-            <a:picLocks noChangeAspect="1"/>
-          </p:cNvPicPr>
-          <p:nvPr/>
-        </p:nvPicPr>
-        <p:blipFill rotWithShape="1">
-          <a:blip r:embed="rId2"/>
-          <a:srcRect t="13931" r="1630" b="8772"/>
-          <a:stretch/>
-        </p:blipFill>
-        <p:spPr>
-          <a:xfrm>
-            <a:off x="0" y="452180"/>
-            <a:ext cx="12192000" cy="5386242"/>
-          </a:xfrm>
-          <a:prstGeom prst="rect">
-            <a:avLst/>
-          </a:prstGeom>
-        </p:spPr>
-      </p:pic>
-      <p:pic>
-        <p:nvPicPr>
-          <p:cNvPr id="5" name="Imagen 4">
-            <a:extLst>
-              <a:ext uri="{FF2B5EF4-FFF2-40B4-BE49-F238E27FC236}">
-                <a16:creationId xmlns:a16="http://schemas.microsoft.com/office/drawing/2014/main" id="{4787A2F4-623E-4D32-B862-76023318C03B}"/>
-              </a:ext>
-            </a:extLst>
-          </p:cNvPr>
-          <p:cNvPicPr>
-            <a:picLocks noChangeAspect="1"/>
-          </p:cNvPicPr>
-          <p:nvPr/>
-        </p:nvPicPr>
-        <p:blipFill rotWithShape="1">
-          <a:blip r:embed="rId3"/>
-          <a:srcRect t="14759" r="1000" b="6236"/>
-          <a:stretch/>
-        </p:blipFill>
-        <p:spPr>
-          <a:xfrm>
-            <a:off x="0" y="452180"/>
-            <a:ext cx="12192000" cy="5415603"/>
-          </a:xfrm>
-          <a:prstGeom prst="rect">
-            <a:avLst/>
-          </a:prstGeom>
-        </p:spPr>
-      </p:pic>
-      <p:pic>
-        <p:nvPicPr>
-          <p:cNvPr id="6" name="Imagen 5">
-            <a:extLst>
-              <a:ext uri="{FF2B5EF4-FFF2-40B4-BE49-F238E27FC236}">
-                <a16:creationId xmlns:a16="http://schemas.microsoft.com/office/drawing/2014/main" id="{AFADE93B-79EE-46CC-BB9F-2B21A01E6828}"/>
-              </a:ext>
-            </a:extLst>
-          </p:cNvPr>
-          <p:cNvPicPr>
-            <a:picLocks noChangeAspect="1"/>
-          </p:cNvPicPr>
-          <p:nvPr/>
-        </p:nvPicPr>
-        <p:blipFill rotWithShape="1">
-          <a:blip r:embed="rId4"/>
-          <a:srcRect t="14572" r="1305" b="6422"/>
-          <a:stretch/>
-        </p:blipFill>
-        <p:spPr>
-          <a:xfrm>
-            <a:off x="0" y="452180"/>
-            <a:ext cx="12192000" cy="5487175"/>
-          </a:xfrm>
-          <a:prstGeom prst="rect">
-            <a:avLst/>
-          </a:prstGeom>
-        </p:spPr>
-      </p:pic>
-      <p:pic>
-        <p:nvPicPr>
           <p:cNvPr id="7" name="Imagen 6">
             <a:extLst>
               <a:ext uri="{FF2B5EF4-FFF2-40B4-BE49-F238E27FC236}">
@@ -5942,13 +5568,13 @@
           <p:nvPr/>
         </p:nvPicPr>
         <p:blipFill rotWithShape="1">
-          <a:blip r:embed="rId5"/>
+          <a:blip r:embed="rId2"/>
           <a:srcRect t="13899" r="1305" b="6051"/>
           <a:stretch/>
         </p:blipFill>
         <p:spPr>
           <a:xfrm>
-            <a:off x="1" y="452180"/>
+            <a:off x="1" y="452181"/>
             <a:ext cx="12191999" cy="5559692"/>
           </a:xfrm>
           <a:prstGeom prst="rect">
@@ -6003,7 +5629,7 @@
                                           </p:stCondLst>
                                         </p:cTn>
                                         <p:tgtEl>
-                                          <p:spTgt spid="3"/>
+                                          <p:spTgt spid="7"/>
                                         </p:tgtEl>
                                         <p:attrNameLst>
                                           <p:attrName>style.visibility</p:attrName>
@@ -6017,7 +5643,7 @@
                                       <p:cBhvr>
                                         <p:cTn id="7" dur="500" fill="hold"/>
                                         <p:tgtEl>
-                                          <p:spTgt spid="3"/>
+                                          <p:spTgt spid="7"/>
                                         </p:tgtEl>
                                         <p:attrNameLst>
                                           <p:attrName>ppt_w</p:attrName>
@@ -6040,7 +5666,7 @@
                                       <p:cBhvr>
                                         <p:cTn id="8" dur="500" fill="hold"/>
                                         <p:tgtEl>
-                                          <p:spTgt spid="3"/>
+                                          <p:spTgt spid="7"/>
                                         </p:tgtEl>
                                         <p:attrNameLst>
                                           <p:attrName>ppt_h</p:attrName>
@@ -6062,303 +5688,6 @@
                                     <p:animEffect transition="in" filter="fade">
                                       <p:cBhvr>
                                         <p:cTn id="9" dur="500"/>
-                                        <p:tgtEl>
-                                          <p:spTgt spid="3"/>
-                                        </p:tgtEl>
-                                      </p:cBhvr>
-                                    </p:animEffect>
-                                  </p:childTnLst>
-                                </p:cTn>
-                              </p:par>
-                            </p:childTnLst>
-                          </p:cTn>
-                        </p:par>
-                      </p:childTnLst>
-                    </p:cTn>
-                  </p:par>
-                  <p:par>
-                    <p:cTn id="10" fill="hold">
-                      <p:stCondLst>
-                        <p:cond delay="indefinite"/>
-                      </p:stCondLst>
-                      <p:childTnLst>
-                        <p:par>
-                          <p:cTn id="11" fill="hold">
-                            <p:stCondLst>
-                              <p:cond delay="0"/>
-                            </p:stCondLst>
-                            <p:childTnLst>
-                              <p:par>
-                                <p:cTn id="12" presetID="53" presetClass="entr" presetSubtype="16" fill="hold" nodeType="clickEffect">
-                                  <p:stCondLst>
-                                    <p:cond delay="0"/>
-                                  </p:stCondLst>
-                                  <p:childTnLst>
-                                    <p:set>
-                                      <p:cBhvr>
-                                        <p:cTn id="13" dur="1" fill="hold">
-                                          <p:stCondLst>
-                                            <p:cond delay="0"/>
-                                          </p:stCondLst>
-                                        </p:cTn>
-                                        <p:tgtEl>
-                                          <p:spTgt spid="5"/>
-                                        </p:tgtEl>
-                                        <p:attrNameLst>
-                                          <p:attrName>style.visibility</p:attrName>
-                                        </p:attrNameLst>
-                                      </p:cBhvr>
-                                      <p:to>
-                                        <p:strVal val="visible"/>
-                                      </p:to>
-                                    </p:set>
-                                    <p:anim calcmode="lin" valueType="num">
-                                      <p:cBhvr>
-                                        <p:cTn id="14" dur="500" fill="hold"/>
-                                        <p:tgtEl>
-                                          <p:spTgt spid="5"/>
-                                        </p:tgtEl>
-                                        <p:attrNameLst>
-                                          <p:attrName>ppt_w</p:attrName>
-                                        </p:attrNameLst>
-                                      </p:cBhvr>
-                                      <p:tavLst>
-                                        <p:tav tm="0">
-                                          <p:val>
-                                            <p:fltVal val="0"/>
-                                          </p:val>
-                                        </p:tav>
-                                        <p:tav tm="100000">
-                                          <p:val>
-                                            <p:strVal val="#ppt_w"/>
-                                          </p:val>
-                                        </p:tav>
-                                      </p:tavLst>
-                                    </p:anim>
-                                    <p:anim calcmode="lin" valueType="num">
-                                      <p:cBhvr>
-                                        <p:cTn id="15" dur="500" fill="hold"/>
-                                        <p:tgtEl>
-                                          <p:spTgt spid="5"/>
-                                        </p:tgtEl>
-                                        <p:attrNameLst>
-                                          <p:attrName>ppt_h</p:attrName>
-                                        </p:attrNameLst>
-                                      </p:cBhvr>
-                                      <p:tavLst>
-                                        <p:tav tm="0">
-                                          <p:val>
-                                            <p:fltVal val="0"/>
-                                          </p:val>
-                                        </p:tav>
-                                        <p:tav tm="100000">
-                                          <p:val>
-                                            <p:strVal val="#ppt_h"/>
-                                          </p:val>
-                                        </p:tav>
-                                      </p:tavLst>
-                                    </p:anim>
-                                    <p:animEffect transition="in" filter="fade">
-                                      <p:cBhvr>
-                                        <p:cTn id="16" dur="500"/>
-                                        <p:tgtEl>
-                                          <p:spTgt spid="5"/>
-                                        </p:tgtEl>
-                                      </p:cBhvr>
-                                    </p:animEffect>
-                                  </p:childTnLst>
-                                </p:cTn>
-                              </p:par>
-                            </p:childTnLst>
-                          </p:cTn>
-                        </p:par>
-                      </p:childTnLst>
-                    </p:cTn>
-                  </p:par>
-                  <p:par>
-                    <p:cTn id="17" fill="hold">
-                      <p:stCondLst>
-                        <p:cond delay="indefinite"/>
-                      </p:stCondLst>
-                      <p:childTnLst>
-                        <p:par>
-                          <p:cTn id="18" fill="hold">
-                            <p:stCondLst>
-                              <p:cond delay="0"/>
-                            </p:stCondLst>
-                            <p:childTnLst>
-                              <p:par>
-                                <p:cTn id="19" presetID="53" presetClass="entr" presetSubtype="16" fill="hold" nodeType="clickEffect">
-                                  <p:stCondLst>
-                                    <p:cond delay="0"/>
-                                  </p:stCondLst>
-                                  <p:childTnLst>
-                                    <p:set>
-                                      <p:cBhvr>
-                                        <p:cTn id="20" dur="1" fill="hold">
-                                          <p:stCondLst>
-                                            <p:cond delay="0"/>
-                                          </p:stCondLst>
-                                        </p:cTn>
-                                        <p:tgtEl>
-                                          <p:spTgt spid="6"/>
-                                        </p:tgtEl>
-                                        <p:attrNameLst>
-                                          <p:attrName>style.visibility</p:attrName>
-                                        </p:attrNameLst>
-                                      </p:cBhvr>
-                                      <p:to>
-                                        <p:strVal val="visible"/>
-                                      </p:to>
-                                    </p:set>
-                                    <p:anim calcmode="lin" valueType="num">
-                                      <p:cBhvr>
-                                        <p:cTn id="21" dur="500" fill="hold"/>
-                                        <p:tgtEl>
-                                          <p:spTgt spid="6"/>
-                                        </p:tgtEl>
-                                        <p:attrNameLst>
-                                          <p:attrName>ppt_w</p:attrName>
-                                        </p:attrNameLst>
-                                      </p:cBhvr>
-                                      <p:tavLst>
-                                        <p:tav tm="0">
-                                          <p:val>
-                                            <p:fltVal val="0"/>
-                                          </p:val>
-                                        </p:tav>
-                                        <p:tav tm="100000">
-                                          <p:val>
-                                            <p:strVal val="#ppt_w"/>
-                                          </p:val>
-                                        </p:tav>
-                                      </p:tavLst>
-                                    </p:anim>
-                                    <p:anim calcmode="lin" valueType="num">
-                                      <p:cBhvr>
-                                        <p:cTn id="22" dur="500" fill="hold"/>
-                                        <p:tgtEl>
-                                          <p:spTgt spid="6"/>
-                                        </p:tgtEl>
-                                        <p:attrNameLst>
-                                          <p:attrName>ppt_h</p:attrName>
-                                        </p:attrNameLst>
-                                      </p:cBhvr>
-                                      <p:tavLst>
-                                        <p:tav tm="0">
-                                          <p:val>
-                                            <p:fltVal val="0"/>
-                                          </p:val>
-                                        </p:tav>
-                                        <p:tav tm="100000">
-                                          <p:val>
-                                            <p:strVal val="#ppt_h"/>
-                                          </p:val>
-                                        </p:tav>
-                                      </p:tavLst>
-                                    </p:anim>
-                                    <p:animEffect transition="in" filter="fade">
-                                      <p:cBhvr>
-                                        <p:cTn id="23" dur="500"/>
-                                        <p:tgtEl>
-                                          <p:spTgt spid="6"/>
-                                        </p:tgtEl>
-                                      </p:cBhvr>
-                                    </p:animEffect>
-                                  </p:childTnLst>
-                                </p:cTn>
-                              </p:par>
-                            </p:childTnLst>
-                          </p:cTn>
-                        </p:par>
-                      </p:childTnLst>
-                    </p:cTn>
-                  </p:par>
-                  <p:par>
-                    <p:cTn id="24" fill="hold">
-                      <p:stCondLst>
-                        <p:cond delay="indefinite"/>
-                      </p:stCondLst>
-                      <p:childTnLst>
-                        <p:par>
-                          <p:cTn id="25" fill="hold">
-                            <p:stCondLst>
-                              <p:cond delay="0"/>
-                            </p:stCondLst>
-                            <p:childTnLst>
-                              <p:par>
-                                <p:cTn id="26" presetID="53" presetClass="entr" presetSubtype="16" fill="hold" nodeType="clickEffect">
-                                  <p:stCondLst>
-                                    <p:cond delay="0"/>
-                                  </p:stCondLst>
-                                  <p:childTnLst>
-                                    <p:set>
-                                      <p:cBhvr>
-                                        <p:cTn id="27" dur="1" fill="hold">
-                                          <p:stCondLst>
-                                            <p:cond delay="0"/>
-                                          </p:stCondLst>
-                                        </p:cTn>
-                                        <p:tgtEl>
-                                          <p:spTgt spid="7"/>
-                                        </p:tgtEl>
-                                        <p:attrNameLst>
-                                          <p:attrName>style.visibility</p:attrName>
-                                        </p:attrNameLst>
-                                      </p:cBhvr>
-                                      <p:to>
-                                        <p:strVal val="visible"/>
-                                      </p:to>
-                                    </p:set>
-                                    <p:anim calcmode="lin" valueType="num">
-                                      <p:cBhvr>
-                                        <p:cTn id="28" dur="500" fill="hold"/>
-                                        <p:tgtEl>
-                                          <p:spTgt spid="7"/>
-                                        </p:tgtEl>
-                                        <p:attrNameLst>
-                                          <p:attrName>ppt_w</p:attrName>
-                                        </p:attrNameLst>
-                                      </p:cBhvr>
-                                      <p:tavLst>
-                                        <p:tav tm="0">
-                                          <p:val>
-                                            <p:fltVal val="0"/>
-                                          </p:val>
-                                        </p:tav>
-                                        <p:tav tm="100000">
-                                          <p:val>
-                                            <p:strVal val="#ppt_w"/>
-                                          </p:val>
-                                        </p:tav>
-                                      </p:tavLst>
-                                    </p:anim>
-                                    <p:anim calcmode="lin" valueType="num">
-                                      <p:cBhvr>
-                                        <p:cTn id="29" dur="500" fill="hold"/>
-                                        <p:tgtEl>
-                                          <p:spTgt spid="7"/>
-                                        </p:tgtEl>
-                                        <p:attrNameLst>
-                                          <p:attrName>ppt_h</p:attrName>
-                                        </p:attrNameLst>
-                                      </p:cBhvr>
-                                      <p:tavLst>
-                                        <p:tav tm="0">
-                                          <p:val>
-                                            <p:fltVal val="0"/>
-                                          </p:val>
-                                        </p:tav>
-                                        <p:tav tm="100000">
-                                          <p:val>
-                                            <p:strVal val="#ppt_h"/>
-                                          </p:val>
-                                        </p:tav>
-                                      </p:tavLst>
-                                    </p:anim>
-                                    <p:animEffect transition="in" filter="fade">
-                                      <p:cBhvr>
-                                        <p:cTn id="30" dur="500"/>
                                         <p:tgtEl>
                                           <p:spTgt spid="7"/>
                                         </p:tgtEl>
@@ -6612,7 +5941,7 @@
         </p:blipFill>
         <p:spPr>
           <a:xfrm>
-            <a:off x="3705078" y="4353016"/>
+            <a:off x="2944506" y="0"/>
             <a:ext cx="4781843" cy="2056192"/>
           </a:xfrm>
           <a:prstGeom prst="rect">
@@ -6648,8 +5977,8 @@
         </p:blipFill>
         <p:spPr>
           <a:xfrm>
-            <a:off x="8340153" y="2716695"/>
-            <a:ext cx="3429000" cy="3429000"/>
+            <a:off x="7379959" y="1026650"/>
+            <a:ext cx="4420388" cy="4420388"/>
           </a:xfrm>
           <a:prstGeom prst="rect">
             <a:avLst/>
@@ -6684,37 +6013,8 @@
         </p:blipFill>
         <p:spPr>
           <a:xfrm>
-            <a:off x="6294782" y="2629009"/>
+            <a:off x="5888042" y="4732449"/>
             <a:ext cx="1228580" cy="1228580"/>
-          </a:xfrm>
-          <a:prstGeom prst="rect">
-            <a:avLst/>
-          </a:prstGeom>
-        </p:spPr>
-      </p:pic>
-      <p:pic>
-        <p:nvPicPr>
-          <p:cNvPr id="14" name="Imagen 13">
-            <a:extLst>
-              <a:ext uri="{FF2B5EF4-FFF2-40B4-BE49-F238E27FC236}">
-                <a16:creationId xmlns:a16="http://schemas.microsoft.com/office/drawing/2014/main" id="{E087DE3B-08C3-474F-AC98-201ED9767CA3}"/>
-              </a:ext>
-            </a:extLst>
-          </p:cNvPr>
-          <p:cNvPicPr>
-            <a:picLocks noChangeAspect="1"/>
-          </p:cNvPicPr>
-          <p:nvPr/>
-        </p:nvPicPr>
-        <p:blipFill rotWithShape="1">
-          <a:blip r:embed="rId7"/>
-          <a:srcRect l="8478" t="39620" r="30109" b="27526"/>
-          <a:stretch/>
-        </p:blipFill>
-        <p:spPr>
-          <a:xfrm>
-            <a:off x="4100993" y="18538"/>
-            <a:ext cx="8091007" cy="2433632"/>
           </a:xfrm>
           <a:prstGeom prst="rect">
             <a:avLst/>
@@ -6954,59 +6254,6 @@
                       </p:childTnLst>
                     </p:cTn>
                   </p:par>
-                  <p:par>
-                    <p:cTn id="23" fill="hold">
-                      <p:stCondLst>
-                        <p:cond delay="indefinite"/>
-                      </p:stCondLst>
-                      <p:childTnLst>
-                        <p:par>
-                          <p:cTn id="24" fill="hold">
-                            <p:stCondLst>
-                              <p:cond delay="0"/>
-                            </p:stCondLst>
-                            <p:childTnLst>
-                              <p:par>
-                                <p:cTn id="25" presetID="22" presetClass="entr" presetSubtype="4" fill="hold" nodeType="clickEffect">
-                                  <p:stCondLst>
-                                    <p:cond delay="0"/>
-                                  </p:stCondLst>
-                                  <p:childTnLst>
-                                    <p:set>
-                                      <p:cBhvr>
-                                        <p:cTn id="26" dur="1" fill="hold">
-                                          <p:stCondLst>
-                                            <p:cond delay="0"/>
-                                          </p:stCondLst>
-                                        </p:cTn>
-                                        <p:tgtEl>
-                                          <p:spTgt spid="14"/>
-                                        </p:tgtEl>
-                                        <p:attrNameLst>
-                                          <p:attrName>style.visibility</p:attrName>
-                                        </p:attrNameLst>
-                                      </p:cBhvr>
-                                      <p:to>
-                                        <p:strVal val="visible"/>
-                                      </p:to>
-                                    </p:set>
-                                    <p:animEffect transition="in" filter="wipe(down)">
-                                      <p:cBhvr>
-                                        <p:cTn id="27" dur="500"/>
-                                        <p:tgtEl>
-                                          <p:spTgt spid="14"/>
-                                        </p:tgtEl>
-                                      </p:cBhvr>
-                                    </p:animEffect>
-                                  </p:childTnLst>
-                                </p:cTn>
-                              </p:par>
-                            </p:childTnLst>
-                          </p:cTn>
-                        </p:par>
-                      </p:childTnLst>
-                    </p:cTn>
-                  </p:par>
                 </p:childTnLst>
               </p:cTn>
               <p:prevCondLst>
@@ -7080,93 +6327,6 @@
       </p:pic>
       <p:pic>
         <p:nvPicPr>
-          <p:cNvPr id="4" name="Imagen 3">
-            <a:extLst>
-              <a:ext uri="{FF2B5EF4-FFF2-40B4-BE49-F238E27FC236}">
-                <a16:creationId xmlns:a16="http://schemas.microsoft.com/office/drawing/2014/main" id="{9CFAC367-BACF-4DF4-A319-A7106E06E223}"/>
-              </a:ext>
-            </a:extLst>
-          </p:cNvPr>
-          <p:cNvPicPr>
-            <a:picLocks noChangeAspect="1"/>
-          </p:cNvPicPr>
-          <p:nvPr/>
-        </p:nvPicPr>
-        <p:blipFill rotWithShape="1">
-          <a:blip r:embed="rId3"/>
-          <a:srcRect r="33577" b="7612"/>
-          <a:stretch/>
-        </p:blipFill>
-        <p:spPr>
-          <a:xfrm>
-            <a:off x="4093698" y="0"/>
-            <a:ext cx="8098302" cy="6332866"/>
-          </a:xfrm>
-          <a:prstGeom prst="rect">
-            <a:avLst/>
-          </a:prstGeom>
-        </p:spPr>
-      </p:pic>
-      <p:pic>
-        <p:nvPicPr>
-          <p:cNvPr id="5" name="Imagen 4">
-            <a:extLst>
-              <a:ext uri="{FF2B5EF4-FFF2-40B4-BE49-F238E27FC236}">
-                <a16:creationId xmlns:a16="http://schemas.microsoft.com/office/drawing/2014/main" id="{591692BE-8C00-47A6-98EE-F6F3547F065E}"/>
-              </a:ext>
-            </a:extLst>
-          </p:cNvPr>
-          <p:cNvPicPr>
-            <a:picLocks noChangeAspect="1"/>
-          </p:cNvPicPr>
-          <p:nvPr/>
-        </p:nvPicPr>
-        <p:blipFill rotWithShape="1">
-          <a:blip r:embed="rId4"/>
-          <a:srcRect r="33577" b="7637"/>
-          <a:stretch/>
-        </p:blipFill>
-        <p:spPr>
-          <a:xfrm>
-            <a:off x="4093698" y="64621"/>
-            <a:ext cx="8098302" cy="6331193"/>
-          </a:xfrm>
-          <a:prstGeom prst="rect">
-            <a:avLst/>
-          </a:prstGeom>
-        </p:spPr>
-      </p:pic>
-      <p:pic>
-        <p:nvPicPr>
-          <p:cNvPr id="7" name="Imagen 6">
-            <a:extLst>
-              <a:ext uri="{FF2B5EF4-FFF2-40B4-BE49-F238E27FC236}">
-                <a16:creationId xmlns:a16="http://schemas.microsoft.com/office/drawing/2014/main" id="{E420A6BE-514E-4896-9477-7EE2EA520E01}"/>
-              </a:ext>
-            </a:extLst>
-          </p:cNvPr>
-          <p:cNvPicPr>
-            <a:picLocks noChangeAspect="1"/>
-          </p:cNvPicPr>
-          <p:nvPr/>
-        </p:nvPicPr>
-        <p:blipFill rotWithShape="1">
-          <a:blip r:embed="rId5"/>
-          <a:srcRect r="67050" b="9159"/>
-          <a:stretch/>
-        </p:blipFill>
-        <p:spPr>
-          <a:xfrm>
-            <a:off x="0" y="8703"/>
-            <a:ext cx="4093698" cy="6345294"/>
-          </a:xfrm>
-          <a:prstGeom prst="rect">
-            <a:avLst/>
-          </a:prstGeom>
-        </p:spPr>
-      </p:pic>
-      <p:pic>
-        <p:nvPicPr>
           <p:cNvPr id="6" name="Imagen 5">
             <a:extLst>
               <a:ext uri="{FF2B5EF4-FFF2-40B4-BE49-F238E27FC236}">
@@ -7180,20 +6340,481 @@
           <p:nvPr/>
         </p:nvPicPr>
         <p:blipFill rotWithShape="1">
-          <a:blip r:embed="rId6"/>
-          <a:srcRect l="1" r="66422" b="7637"/>
+          <a:blip r:embed="rId3"/>
+          <a:srcRect l="14892" t="25507" r="66422" b="7637"/>
           <a:stretch/>
         </p:blipFill>
         <p:spPr>
           <a:xfrm>
-            <a:off x="0" y="8703"/>
-            <a:ext cx="4093698" cy="6331193"/>
+            <a:off x="4093697" y="0"/>
+            <a:ext cx="3115485" cy="6267134"/>
           </a:xfrm>
           <a:prstGeom prst="rect">
             <a:avLst/>
           </a:prstGeom>
         </p:spPr>
       </p:pic>
+      <p:graphicFrame>
+        <p:nvGraphicFramePr>
+          <p:cNvPr id="2" name="Tabla 1">
+            <a:extLst>
+              <a:ext uri="{FF2B5EF4-FFF2-40B4-BE49-F238E27FC236}">
+                <a16:creationId xmlns:a16="http://schemas.microsoft.com/office/drawing/2014/main" id="{4319929C-D75F-46E8-8940-56DB0CEE53E6}"/>
+              </a:ext>
+            </a:extLst>
+          </p:cNvPr>
+          <p:cNvGraphicFramePr>
+            <a:graphicFrameLocks noGrp="1"/>
+          </p:cNvGraphicFramePr>
+          <p:nvPr>
+            <p:extLst>
+              <p:ext uri="{D42A27DB-BD31-4B8C-83A1-F6EECF244321}">
+                <p14:modId xmlns:p14="http://schemas.microsoft.com/office/powerpoint/2010/main" val="2850304614"/>
+              </p:ext>
+            </p:extLst>
+          </p:nvPr>
+        </p:nvGraphicFramePr>
+        <p:xfrm>
+          <a:off x="5791200" y="0"/>
+          <a:ext cx="6400800" cy="6332870"/>
+        </p:xfrm>
+        <a:graphic>
+          <a:graphicData uri="http://schemas.openxmlformats.org/drawingml/2006/table">
+            <a:tbl>
+              <a:tblPr firstRow="1" bandRow="1">
+                <a:tableStyleId>{5C22544A-7EE6-4342-B048-85BDC9FD1C3A}</a:tableStyleId>
+              </a:tblPr>
+              <a:tblGrid>
+                <a:gridCol w="3200400">
+                  <a:extLst>
+                    <a:ext uri="{9D8B030D-6E8A-4147-A177-3AD203B41FA5}">
+                      <a16:colId xmlns:a16="http://schemas.microsoft.com/office/drawing/2014/main" val="2241833583"/>
+                    </a:ext>
+                  </a:extLst>
+                </a:gridCol>
+                <a:gridCol w="3200400">
+                  <a:extLst>
+                    <a:ext uri="{9D8B030D-6E8A-4147-A177-3AD203B41FA5}">
+                      <a16:colId xmlns:a16="http://schemas.microsoft.com/office/drawing/2014/main" val="3936636606"/>
+                    </a:ext>
+                  </a:extLst>
+                </a:gridCol>
+              </a:tblGrid>
+              <a:tr h="534464">
+                <a:tc>
+                  <a:txBody>
+                    <a:bodyPr/>
+                    <a:lstStyle/>
+                    <a:p>
+                      <a:r>
+                        <a:rPr lang="es-ES" sz="2100" dirty="0" err="1"/>
+                        <a:t>Nodes</a:t>
+                      </a:r>
+                      <a:endParaRPr lang="es-ES" sz="2100" dirty="0"/>
+                    </a:p>
+                  </a:txBody>
+                  <a:tcPr marL="104199" marR="104199" marT="52099" marB="52099"/>
+                </a:tc>
+                <a:tc>
+                  <a:txBody>
+                    <a:bodyPr/>
+                    <a:lstStyle/>
+                    <a:p>
+                      <a:r>
+                        <a:rPr lang="es-ES" sz="2100" dirty="0" err="1"/>
+                        <a:t>Edges</a:t>
+                      </a:r>
+                      <a:endParaRPr lang="es-ES" sz="2100" dirty="0"/>
+                    </a:p>
+                  </a:txBody>
+                  <a:tcPr marL="104199" marR="104199" marT="52099" marB="52099"/>
+                </a:tc>
+                <a:extLst>
+                  <a:ext uri="{0D108BD9-81ED-4DB2-BD59-A6C34878D82A}">
+                    <a16:rowId xmlns:a16="http://schemas.microsoft.com/office/drawing/2014/main" val="2088636046"/>
+                  </a:ext>
+                </a:extLst>
+              </a:tr>
+              <a:tr h="534464">
+                <a:tc>
+                  <a:txBody>
+                    <a:bodyPr/>
+                    <a:lstStyle/>
+                    <a:p>
+                      <a:r>
+                        <a:rPr lang="es-ES" sz="2100" b="1" dirty="0"/>
+                        <a:t>Id</a:t>
+                      </a:r>
+                    </a:p>
+                  </a:txBody>
+                  <a:tcPr marL="104199" marR="104199" marT="52099" marB="52099"/>
+                </a:tc>
+                <a:tc>
+                  <a:txBody>
+                    <a:bodyPr/>
+                    <a:lstStyle/>
+                    <a:p>
+                      <a:r>
+                        <a:rPr lang="es-ES" sz="2100" b="1" dirty="0" err="1"/>
+                        <a:t>Source</a:t>
+                      </a:r>
+                      <a:endParaRPr lang="es-ES" sz="2100" b="1" dirty="0"/>
+                    </a:p>
+                  </a:txBody>
+                  <a:tcPr marL="104199" marR="104199" marT="52099" marB="52099"/>
+                </a:tc>
+                <a:extLst>
+                  <a:ext uri="{0D108BD9-81ED-4DB2-BD59-A6C34878D82A}">
+                    <a16:rowId xmlns:a16="http://schemas.microsoft.com/office/drawing/2014/main" val="1000022152"/>
+                  </a:ext>
+                </a:extLst>
+              </a:tr>
+              <a:tr h="534464">
+                <a:tc>
+                  <a:txBody>
+                    <a:bodyPr/>
+                    <a:lstStyle/>
+                    <a:p>
+                      <a:r>
+                        <a:rPr lang="es-ES" sz="2100" b="1" dirty="0" err="1"/>
+                        <a:t>Label</a:t>
+                      </a:r>
+                      <a:endParaRPr lang="es-ES" sz="2100" b="1" dirty="0"/>
+                    </a:p>
+                  </a:txBody>
+                  <a:tcPr marL="104199" marR="104199" marT="52099" marB="52099"/>
+                </a:tc>
+                <a:tc>
+                  <a:txBody>
+                    <a:bodyPr/>
+                    <a:lstStyle/>
+                    <a:p>
+                      <a:r>
+                        <a:rPr lang="es-ES" sz="2100" b="1" dirty="0"/>
+                        <a:t>Target</a:t>
+                      </a:r>
+                    </a:p>
+                  </a:txBody>
+                  <a:tcPr marL="104199" marR="104199" marT="52099" marB="52099"/>
+                </a:tc>
+                <a:extLst>
+                  <a:ext uri="{0D108BD9-81ED-4DB2-BD59-A6C34878D82A}">
+                    <a16:rowId xmlns:a16="http://schemas.microsoft.com/office/drawing/2014/main" val="3255209849"/>
+                  </a:ext>
+                </a:extLst>
+              </a:tr>
+              <a:tr h="534464">
+                <a:tc>
+                  <a:txBody>
+                    <a:bodyPr/>
+                    <a:lstStyle/>
+                    <a:p>
+                      <a:endParaRPr lang="es-ES" sz="2100" b="1" dirty="0"/>
+                    </a:p>
+                  </a:txBody>
+                  <a:tcPr marL="104199" marR="104199" marT="52099" marB="52099"/>
+                </a:tc>
+                <a:tc>
+                  <a:txBody>
+                    <a:bodyPr/>
+                    <a:lstStyle/>
+                    <a:p>
+                      <a:r>
+                        <a:rPr lang="es-ES" sz="2100" b="1" dirty="0" err="1"/>
+                        <a:t>Type</a:t>
+                      </a:r>
+                      <a:endParaRPr lang="es-ES" sz="2100" b="1" dirty="0"/>
+                    </a:p>
+                  </a:txBody>
+                  <a:tcPr marL="104199" marR="104199" marT="52099" marB="52099"/>
+                </a:tc>
+                <a:extLst>
+                  <a:ext uri="{0D108BD9-81ED-4DB2-BD59-A6C34878D82A}">
+                    <a16:rowId xmlns:a16="http://schemas.microsoft.com/office/drawing/2014/main" val="3373837945"/>
+                  </a:ext>
+                </a:extLst>
+              </a:tr>
+              <a:tr h="534464">
+                <a:tc>
+                  <a:txBody>
+                    <a:bodyPr/>
+                    <a:lstStyle/>
+                    <a:p>
+                      <a:endParaRPr lang="es-ES" sz="2100" b="1" dirty="0"/>
+                    </a:p>
+                  </a:txBody>
+                  <a:tcPr marL="104199" marR="104199" marT="52099" marB="52099"/>
+                </a:tc>
+                <a:tc>
+                  <a:txBody>
+                    <a:bodyPr/>
+                    <a:lstStyle/>
+                    <a:p>
+                      <a:r>
+                        <a:rPr lang="es-ES" sz="2100" b="1" dirty="0" err="1"/>
+                        <a:t>Product</a:t>
+                      </a:r>
+                      <a:endParaRPr lang="es-ES" sz="2100" b="1" dirty="0"/>
+                    </a:p>
+                  </a:txBody>
+                  <a:tcPr marL="104199" marR="104199" marT="52099" marB="52099"/>
+                </a:tc>
+                <a:extLst>
+                  <a:ext uri="{0D108BD9-81ED-4DB2-BD59-A6C34878D82A}">
+                    <a16:rowId xmlns:a16="http://schemas.microsoft.com/office/drawing/2014/main" val="904179802"/>
+                  </a:ext>
+                </a:extLst>
+              </a:tr>
+              <a:tr h="534464">
+                <a:tc>
+                  <a:txBody>
+                    <a:bodyPr/>
+                    <a:lstStyle/>
+                    <a:p>
+                      <a:endParaRPr lang="es-ES" sz="2100" b="1"/>
+                    </a:p>
+                  </a:txBody>
+                  <a:tcPr marL="104199" marR="104199" marT="52099" marB="52099"/>
+                </a:tc>
+                <a:tc>
+                  <a:txBody>
+                    <a:bodyPr/>
+                    <a:lstStyle/>
+                    <a:p>
+                      <a:r>
+                        <a:rPr lang="es-ES" sz="2100" b="1" dirty="0" err="1"/>
+                        <a:t>Year</a:t>
+                      </a:r>
+                      <a:endParaRPr lang="es-ES" sz="2100" b="1" dirty="0"/>
+                    </a:p>
+                  </a:txBody>
+                  <a:tcPr marL="104199" marR="104199" marT="52099" marB="52099"/>
+                </a:tc>
+                <a:extLst>
+                  <a:ext uri="{0D108BD9-81ED-4DB2-BD59-A6C34878D82A}">
+                    <a16:rowId xmlns:a16="http://schemas.microsoft.com/office/drawing/2014/main" val="2683240006"/>
+                  </a:ext>
+                </a:extLst>
+              </a:tr>
+              <a:tr h="534464">
+                <a:tc>
+                  <a:txBody>
+                    <a:bodyPr/>
+                    <a:lstStyle/>
+                    <a:p>
+                      <a:endParaRPr lang="es-ES" sz="2100" b="1"/>
+                    </a:p>
+                  </a:txBody>
+                  <a:tcPr marL="104199" marR="104199" marT="52099" marB="52099"/>
+                </a:tc>
+                <a:tc>
+                  <a:txBody>
+                    <a:bodyPr/>
+                    <a:lstStyle/>
+                    <a:p>
+                      <a:r>
+                        <a:rPr lang="es-ES" sz="2100" b="1" dirty="0" err="1"/>
+                        <a:t>Export</a:t>
+                      </a:r>
+                      <a:r>
+                        <a:rPr lang="es-ES" sz="2100" b="1" dirty="0"/>
+                        <a:t> </a:t>
+                      </a:r>
+                      <a:r>
+                        <a:rPr lang="es-ES" sz="2100" b="1" dirty="0" err="1"/>
+                        <a:t>thousand</a:t>
+                      </a:r>
+                      <a:r>
+                        <a:rPr lang="es-ES" sz="2100" b="1" dirty="0"/>
+                        <a:t> </a:t>
+                      </a:r>
+                      <a:r>
+                        <a:rPr lang="es-ES" sz="2100" b="1" dirty="0" err="1"/>
+                        <a:t>dollar</a:t>
+                      </a:r>
+                      <a:endParaRPr lang="es-ES" sz="2100" b="1" dirty="0"/>
+                    </a:p>
+                  </a:txBody>
+                  <a:tcPr marL="104199" marR="104199" marT="52099" marB="52099"/>
+                </a:tc>
+                <a:extLst>
+                  <a:ext uri="{0D108BD9-81ED-4DB2-BD59-A6C34878D82A}">
+                    <a16:rowId xmlns:a16="http://schemas.microsoft.com/office/drawing/2014/main" val="1824386794"/>
+                  </a:ext>
+                </a:extLst>
+              </a:tr>
+              <a:tr h="761347">
+                <a:tc>
+                  <a:txBody>
+                    <a:bodyPr/>
+                    <a:lstStyle/>
+                    <a:p>
+                      <a:endParaRPr lang="es-ES" sz="2100" b="1"/>
+                    </a:p>
+                  </a:txBody>
+                  <a:tcPr marL="104199" marR="104199" marT="52099" marB="52099"/>
+                </a:tc>
+                <a:tc>
+                  <a:txBody>
+                    <a:bodyPr/>
+                    <a:lstStyle/>
+                    <a:p>
+                      <a:r>
+                        <a:rPr lang="es-ES" sz="2100" b="1" dirty="0" err="1"/>
+                        <a:t>Export</a:t>
+                      </a:r>
+                      <a:r>
+                        <a:rPr lang="es-ES" sz="2100" b="1" dirty="0"/>
+                        <a:t> </a:t>
+                      </a:r>
+                      <a:r>
+                        <a:rPr lang="es-ES" sz="2100" b="1" dirty="0" err="1"/>
+                        <a:t>product</a:t>
+                      </a:r>
+                      <a:r>
+                        <a:rPr lang="es-ES" sz="2100" b="1" dirty="0"/>
+                        <a:t> share </a:t>
+                      </a:r>
+                      <a:r>
+                        <a:rPr lang="es-ES" sz="2100" b="1" dirty="0" err="1"/>
+                        <a:t>percentage</a:t>
+                      </a:r>
+                      <a:endParaRPr lang="es-ES" sz="2100" b="1" dirty="0"/>
+                    </a:p>
+                  </a:txBody>
+                  <a:tcPr marL="104199" marR="104199" marT="52099" marB="52099"/>
+                </a:tc>
+                <a:extLst>
+                  <a:ext uri="{0D108BD9-81ED-4DB2-BD59-A6C34878D82A}">
+                    <a16:rowId xmlns:a16="http://schemas.microsoft.com/office/drawing/2014/main" val="3180157242"/>
+                  </a:ext>
+                </a:extLst>
+              </a:tr>
+              <a:tr h="761347">
+                <a:tc>
+                  <a:txBody>
+                    <a:bodyPr/>
+                    <a:lstStyle/>
+                    <a:p>
+                      <a:endParaRPr lang="es-ES" sz="2100" b="1"/>
+                    </a:p>
+                  </a:txBody>
+                  <a:tcPr marL="104199" marR="104199" marT="52099" marB="52099"/>
+                </a:tc>
+                <a:tc>
+                  <a:txBody>
+                    <a:bodyPr/>
+                    <a:lstStyle/>
+                    <a:p>
+                      <a:r>
+                        <a:rPr lang="es-ES" sz="2100" b="1" dirty="0" err="1"/>
+                        <a:t>Revealed</a:t>
+                      </a:r>
+                      <a:r>
+                        <a:rPr lang="es-ES" sz="2100" b="1" dirty="0"/>
+                        <a:t> </a:t>
+                      </a:r>
+                      <a:r>
+                        <a:rPr lang="es-ES" sz="2100" b="1" dirty="0" err="1"/>
+                        <a:t>comparative</a:t>
+                      </a:r>
+                      <a:r>
+                        <a:rPr lang="es-ES" sz="2100" b="1" dirty="0"/>
+                        <a:t> </a:t>
+                      </a:r>
+                      <a:r>
+                        <a:rPr lang="es-ES" sz="2100" b="1" dirty="0" err="1"/>
+                        <a:t>advantage</a:t>
+                      </a:r>
+                      <a:endParaRPr lang="es-ES" sz="2100" b="1" dirty="0"/>
+                    </a:p>
+                  </a:txBody>
+                  <a:tcPr marL="104199" marR="104199" marT="52099" marB="52099"/>
+                </a:tc>
+                <a:extLst>
+                  <a:ext uri="{0D108BD9-81ED-4DB2-BD59-A6C34878D82A}">
+                    <a16:rowId xmlns:a16="http://schemas.microsoft.com/office/drawing/2014/main" val="1103200988"/>
+                  </a:ext>
+                </a:extLst>
+              </a:tr>
+              <a:tr h="534464">
+                <a:tc>
+                  <a:txBody>
+                    <a:bodyPr/>
+                    <a:lstStyle/>
+                    <a:p>
+                      <a:endParaRPr lang="es-ES" sz="2100" b="1"/>
+                    </a:p>
+                  </a:txBody>
+                  <a:tcPr marL="104199" marR="104199" marT="52099" marB="52099"/>
+                </a:tc>
+                <a:tc>
+                  <a:txBody>
+                    <a:bodyPr/>
+                    <a:lstStyle/>
+                    <a:p>
+                      <a:r>
+                        <a:rPr lang="es-ES" sz="2100" b="1" dirty="0" err="1"/>
+                        <a:t>World</a:t>
+                      </a:r>
+                      <a:r>
+                        <a:rPr lang="es-ES" sz="2100" b="1" dirty="0"/>
+                        <a:t> </a:t>
+                      </a:r>
+                      <a:r>
+                        <a:rPr lang="es-ES" sz="2100" b="1" dirty="0" err="1"/>
+                        <a:t>growth</a:t>
+                      </a:r>
+                      <a:endParaRPr lang="es-ES" sz="2100" b="1" dirty="0"/>
+                    </a:p>
+                  </a:txBody>
+                  <a:tcPr marL="104199" marR="104199" marT="52099" marB="52099"/>
+                </a:tc>
+                <a:extLst>
+                  <a:ext uri="{0D108BD9-81ED-4DB2-BD59-A6C34878D82A}">
+                    <a16:rowId xmlns:a16="http://schemas.microsoft.com/office/drawing/2014/main" val="2735933539"/>
+                  </a:ext>
+                </a:extLst>
+              </a:tr>
+              <a:tr h="534464">
+                <a:tc>
+                  <a:txBody>
+                    <a:bodyPr/>
+                    <a:lstStyle/>
+                    <a:p>
+                      <a:endParaRPr lang="es-ES" sz="2100" b="1"/>
+                    </a:p>
+                  </a:txBody>
+                  <a:tcPr marL="104199" marR="104199" marT="52099" marB="52099"/>
+                </a:tc>
+                <a:tc>
+                  <a:txBody>
+                    <a:bodyPr/>
+                    <a:lstStyle/>
+                    <a:p>
+                      <a:r>
+                        <a:rPr lang="es-ES" sz="2100" b="1" dirty="0"/>
+                        <a:t>Country </a:t>
+                      </a:r>
+                      <a:r>
+                        <a:rPr lang="es-ES" sz="2100" b="1" dirty="0" err="1"/>
+                        <a:t>growth</a:t>
+                      </a:r>
+                      <a:endParaRPr lang="es-ES" sz="2100" b="1" dirty="0"/>
+                    </a:p>
+                  </a:txBody>
+                  <a:tcPr marL="104199" marR="104199" marT="52099" marB="52099"/>
+                </a:tc>
+                <a:extLst>
+                  <a:ext uri="{0D108BD9-81ED-4DB2-BD59-A6C34878D82A}">
+                    <a16:rowId xmlns:a16="http://schemas.microsoft.com/office/drawing/2014/main" val="1490828045"/>
+                  </a:ext>
+                </a:extLst>
+              </a:tr>
+            </a:tbl>
+          </a:graphicData>
+        </a:graphic>
+      </p:graphicFrame>
     </p:spTree>
     <p:extLst>
       <p:ext uri="{BB962C8B-B14F-4D97-AF65-F5344CB8AC3E}">
@@ -7294,7 +6915,7 @@
                                           </p:stCondLst>
                                         </p:cTn>
                                         <p:tgtEl>
-                                          <p:spTgt spid="4"/>
+                                          <p:spTgt spid="6"/>
                                         </p:tgtEl>
                                         <p:attrNameLst>
                                           <p:attrName>style.visibility</p:attrName>
@@ -7308,7 +6929,7 @@
                                       <p:cBhvr>
                                         <p:cTn id="12" dur="500"/>
                                         <p:tgtEl>
-                                          <p:spTgt spid="4"/>
+                                          <p:spTgt spid="6"/>
                                         </p:tgtEl>
                                       </p:cBhvr>
                                     </p:animEffect>
@@ -7347,7 +6968,7 @@
                                           </p:stCondLst>
                                         </p:cTn>
                                         <p:tgtEl>
-                                          <p:spTgt spid="5"/>
+                                          <p:spTgt spid="2"/>
                                         </p:tgtEl>
                                         <p:attrNameLst>
                                           <p:attrName>style.visibility</p:attrName>
@@ -7361,113 +6982,7 @@
                                       <p:cBhvr>
                                         <p:cTn id="17" dur="500"/>
                                         <p:tgtEl>
-                                          <p:spTgt spid="5"/>
-                                        </p:tgtEl>
-                                      </p:cBhvr>
-                                    </p:animEffect>
-                                  </p:childTnLst>
-                                </p:cTn>
-                              </p:par>
-                            </p:childTnLst>
-                          </p:cTn>
-                        </p:par>
-                      </p:childTnLst>
-                    </p:cTn>
-                  </p:par>
-                  <p:par>
-                    <p:cTn id="18" fill="hold">
-                      <p:stCondLst>
-                        <p:cond delay="indefinite"/>
-                      </p:stCondLst>
-                      <p:childTnLst>
-                        <p:par>
-                          <p:cTn id="19" fill="hold">
-                            <p:stCondLst>
-                              <p:cond delay="0"/>
-                            </p:stCondLst>
-                            <p:childTnLst>
-                              <p:par>
-                                <p:cTn id="20" presetID="14" presetClass="entr" presetSubtype="10" fill="hold" nodeType="clickEffect">
-                                  <p:stCondLst>
-                                    <p:cond delay="0"/>
-                                  </p:stCondLst>
-                                  <p:childTnLst>
-                                    <p:set>
-                                      <p:cBhvr>
-                                        <p:cTn id="21" dur="1" fill="hold">
-                                          <p:stCondLst>
-                                            <p:cond delay="0"/>
-                                          </p:stCondLst>
-                                        </p:cTn>
-                                        <p:tgtEl>
-                                          <p:spTgt spid="7"/>
-                                        </p:tgtEl>
-                                        <p:attrNameLst>
-                                          <p:attrName>style.visibility</p:attrName>
-                                        </p:attrNameLst>
-                                      </p:cBhvr>
-                                      <p:to>
-                                        <p:strVal val="visible"/>
-                                      </p:to>
-                                    </p:set>
-                                    <p:animEffect transition="in" filter="randombar(horizontal)">
-                                      <p:cBhvr>
-                                        <p:cTn id="22" dur="500"/>
-                                        <p:tgtEl>
-                                          <p:spTgt spid="7"/>
-                                        </p:tgtEl>
-                                      </p:cBhvr>
-                                    </p:animEffect>
-                                  </p:childTnLst>
-                                </p:cTn>
-                              </p:par>
-                            </p:childTnLst>
-                          </p:cTn>
-                        </p:par>
-                      </p:childTnLst>
-                    </p:cTn>
-                  </p:par>
-                  <p:par>
-                    <p:cTn id="23" fill="hold">
-                      <p:stCondLst>
-                        <p:cond delay="indefinite"/>
-                      </p:stCondLst>
-                      <p:childTnLst>
-                        <p:par>
-                          <p:cTn id="24" fill="hold">
-                            <p:stCondLst>
-                              <p:cond delay="0"/>
-                            </p:stCondLst>
-                            <p:childTnLst>
-                              <p:par>
-                                <p:cTn id="25" presetID="14" presetClass="entr" presetSubtype="10" fill="hold" nodeType="clickEffect">
-                                  <p:stCondLst>
-                                    <p:cond delay="0"/>
-                                  </p:stCondLst>
-                                  <p:childTnLst>
-                                    <p:set>
-                                      <p:cBhvr>
-                                        <p:cTn id="26" dur="1" fill="hold">
-                                          <p:stCondLst>
-                                            <p:cond delay="0"/>
-                                          </p:stCondLst>
-                                        </p:cTn>
-                                        <p:tgtEl>
-                                          <p:spTgt spid="6"/>
-                                        </p:tgtEl>
-                                        <p:attrNameLst>
-                                          <p:attrName>style.visibility</p:attrName>
-                                        </p:attrNameLst>
-                                      </p:cBhvr>
-                                      <p:to>
-                                        <p:strVal val="visible"/>
-                                      </p:to>
-                                    </p:set>
-                                    <p:animEffect transition="in" filter="randombar(horizontal)">
-                                      <p:cBhvr>
-                                        <p:cTn id="27" dur="500"/>
-                                        <p:tgtEl>
-                                          <p:spTgt spid="6"/>
+                                          <p:spTgt spid="2"/>
                                         </p:tgtEl>
                                       </p:cBhvr>
                                     </p:animEffect>
@@ -7524,10 +7039,10 @@
       </p:grpSpPr>
       <p:pic>
         <p:nvPicPr>
-          <p:cNvPr id="4" name="Imagen 3">
+          <p:cNvPr id="6" name="Imagen 5">
             <a:extLst>
               <a:ext uri="{FF2B5EF4-FFF2-40B4-BE49-F238E27FC236}">
-                <a16:creationId xmlns:a16="http://schemas.microsoft.com/office/drawing/2014/main" id="{4989D11B-43F6-4344-8F91-AAAA9666A2F1}"/>
+                <a16:creationId xmlns:a16="http://schemas.microsoft.com/office/drawing/2014/main" id="{D48A3C5A-B1DE-40FA-BBB7-ECB3D55D2CFA}"/>
               </a:ext>
             </a:extLst>
           </p:cNvPr>
@@ -7537,20 +7052,143 @@
           <p:nvPr/>
         </p:nvPicPr>
         <p:blipFill rotWithShape="1">
-          <a:blip r:embed="rId2"/>
-          <a:srcRect l="30109" t="17376" r="14891" b="11866"/>
+          <a:blip r:embed="rId2">
+            <a:extLst>
+              <a:ext uri="{28A0092B-C50C-407E-A947-70E740481C1C}">
+                <a14:useLocalDpi xmlns:a14="http://schemas.microsoft.com/office/drawing/2010/main" val="0"/>
+              </a:ext>
+            </a:extLst>
+          </a:blip>
+          <a:srcRect t="19385" b="24365"/>
           <a:stretch/>
         </p:blipFill>
         <p:spPr>
           <a:xfrm>
-            <a:off x="1717206" y="0"/>
-            <a:ext cx="8757587" cy="6334539"/>
+            <a:off x="0" y="0"/>
+            <a:ext cx="12192000" cy="6858000"/>
           </a:xfrm>
           <a:prstGeom prst="rect">
             <a:avLst/>
           </a:prstGeom>
         </p:spPr>
       </p:pic>
+      <p:sp>
+        <p:nvSpPr>
+          <p:cNvPr id="7" name="CuadroTexto 6">
+            <a:extLst>
+              <a:ext uri="{FF2B5EF4-FFF2-40B4-BE49-F238E27FC236}">
+                <a16:creationId xmlns:a16="http://schemas.microsoft.com/office/drawing/2014/main" id="{11696B3A-8FFB-41FA-8CCB-60DBD3373F39}"/>
+              </a:ext>
+            </a:extLst>
+          </p:cNvPr>
+          <p:cNvSpPr txBox="1"/>
+          <p:nvPr/>
+        </p:nvSpPr>
+        <p:spPr>
+          <a:xfrm>
+            <a:off x="265044" y="119270"/>
+            <a:ext cx="1435008" cy="830997"/>
+          </a:xfrm>
+          <a:prstGeom prst="rect">
+            <a:avLst/>
+          </a:prstGeom>
+          <a:noFill/>
+        </p:spPr>
+        <p:txBody>
+          <a:bodyPr wrap="none" rtlCol="0">
+            <a:spAutoFit/>
+          </a:bodyPr>
+          <a:lstStyle/>
+          <a:p>
+            <a:r>
+              <a:rPr lang="es-ES" sz="4800" dirty="0">
+                <a:solidFill>
+                  <a:schemeClr val="bg1"/>
+                </a:solidFill>
+              </a:rPr>
+              <a:t>2008</a:t>
+            </a:r>
+          </a:p>
+        </p:txBody>
+      </p:sp>
+      <p:sp>
+        <p:nvSpPr>
+          <p:cNvPr id="8" name="CuadroTexto 7">
+            <a:extLst>
+              <a:ext uri="{FF2B5EF4-FFF2-40B4-BE49-F238E27FC236}">
+                <a16:creationId xmlns:a16="http://schemas.microsoft.com/office/drawing/2014/main" id="{4E4D7E31-52B1-4F63-BD31-54422C34963F}"/>
+              </a:ext>
+            </a:extLst>
+          </p:cNvPr>
+          <p:cNvSpPr txBox="1"/>
+          <p:nvPr/>
+        </p:nvSpPr>
+        <p:spPr>
+          <a:xfrm>
+            <a:off x="9651399" y="5196006"/>
+            <a:ext cx="2126929" cy="830997"/>
+          </a:xfrm>
+          <a:prstGeom prst="rect">
+            <a:avLst/>
+          </a:prstGeom>
+          <a:noFill/>
+        </p:spPr>
+        <p:txBody>
+          <a:bodyPr wrap="none" rtlCol="0">
+            <a:spAutoFit/>
+          </a:bodyPr>
+          <a:lstStyle/>
+          <a:p>
+            <a:r>
+              <a:rPr lang="es-ES" sz="4800" dirty="0">
+                <a:solidFill>
+                  <a:schemeClr val="bg1"/>
+                </a:solidFill>
+              </a:rPr>
+              <a:t>Calzado</a:t>
+            </a:r>
+          </a:p>
+        </p:txBody>
+      </p:sp>
+      <p:sp>
+        <p:nvSpPr>
+          <p:cNvPr id="10" name="CuadroTexto 9">
+            <a:extLst>
+              <a:ext uri="{FF2B5EF4-FFF2-40B4-BE49-F238E27FC236}">
+                <a16:creationId xmlns:a16="http://schemas.microsoft.com/office/drawing/2014/main" id="{43542D34-E2D6-4F73-A13A-880635602F12}"/>
+              </a:ext>
+            </a:extLst>
+          </p:cNvPr>
+          <p:cNvSpPr txBox="1"/>
+          <p:nvPr/>
+        </p:nvSpPr>
+        <p:spPr>
+          <a:xfrm>
+            <a:off x="8071351" y="5898371"/>
+            <a:ext cx="3706977" cy="830997"/>
+          </a:xfrm>
+          <a:prstGeom prst="rect">
+            <a:avLst/>
+          </a:prstGeom>
+          <a:noFill/>
+        </p:spPr>
+        <p:txBody>
+          <a:bodyPr wrap="none" rtlCol="0">
+            <a:spAutoFit/>
+          </a:bodyPr>
+          <a:lstStyle/>
+          <a:p>
+            <a:r>
+              <a:rPr lang="es-ES" sz="4800" dirty="0">
+                <a:solidFill>
+                  <a:schemeClr val="bg1"/>
+                </a:solidFill>
+              </a:rPr>
+              <a:t>Exportaciones</a:t>
+            </a:r>
+          </a:p>
+        </p:txBody>
+      </p:sp>
     </p:spTree>
     <p:extLst>
       <p:ext uri="{BB962C8B-B14F-4D97-AF65-F5344CB8AC3E}">
@@ -7561,6 +7199,171 @@
   <p:clrMapOvr>
     <a:masterClrMapping/>
   </p:clrMapOvr>
+  <p:timing>
+    <p:tnLst>
+      <p:par>
+        <p:cTn id="1" dur="indefinite" restart="never" nodeType="tmRoot">
+          <p:childTnLst>
+            <p:seq concurrent="1" nextAc="seek">
+              <p:cTn id="2" dur="indefinite" nodeType="mainSeq">
+                <p:childTnLst>
+                  <p:par>
+                    <p:cTn id="3" fill="hold">
+                      <p:stCondLst>
+                        <p:cond delay="indefinite"/>
+                      </p:stCondLst>
+                      <p:childTnLst>
+                        <p:par>
+                          <p:cTn id="4" fill="hold">
+                            <p:stCondLst>
+                              <p:cond delay="0"/>
+                            </p:stCondLst>
+                            <p:childTnLst>
+                              <p:par>
+                                <p:cTn id="5" presetID="6" presetClass="entr" presetSubtype="16" fill="hold" grpId="0" nodeType="clickEffect">
+                                  <p:stCondLst>
+                                    <p:cond delay="0"/>
+                                  </p:stCondLst>
+                                  <p:childTnLst>
+                                    <p:set>
+                                      <p:cBhvr>
+                                        <p:cTn id="6" dur="1" fill="hold">
+                                          <p:stCondLst>
+                                            <p:cond delay="0"/>
+                                          </p:stCondLst>
+                                        </p:cTn>
+                                        <p:tgtEl>
+                                          <p:spTgt spid="7"/>
+                                        </p:tgtEl>
+                                        <p:attrNameLst>
+                                          <p:attrName>style.visibility</p:attrName>
+                                        </p:attrNameLst>
+                                      </p:cBhvr>
+                                      <p:to>
+                                        <p:strVal val="visible"/>
+                                      </p:to>
+                                    </p:set>
+                                    <p:animEffect transition="in" filter="circle(in)">
+                                      <p:cBhvr>
+                                        <p:cTn id="7" dur="500"/>
+                                        <p:tgtEl>
+                                          <p:spTgt spid="7"/>
+                                        </p:tgtEl>
+                                      </p:cBhvr>
+                                    </p:animEffect>
+                                  </p:childTnLst>
+                                </p:cTn>
+                              </p:par>
+                              <p:par>
+                                <p:cTn id="8" presetID="6" presetClass="entr" presetSubtype="16" fill="hold" grpId="0" nodeType="withEffect">
+                                  <p:stCondLst>
+                                    <p:cond delay="0"/>
+                                  </p:stCondLst>
+                                  <p:childTnLst>
+                                    <p:set>
+                                      <p:cBhvr>
+                                        <p:cTn id="9" dur="1" fill="hold">
+                                          <p:stCondLst>
+                                            <p:cond delay="0"/>
+                                          </p:stCondLst>
+                                        </p:cTn>
+                                        <p:tgtEl>
+                                          <p:spTgt spid="8"/>
+                                        </p:tgtEl>
+                                        <p:attrNameLst>
+                                          <p:attrName>style.visibility</p:attrName>
+                                        </p:attrNameLst>
+                                      </p:cBhvr>
+                                      <p:to>
+                                        <p:strVal val="visible"/>
+                                      </p:to>
+                                    </p:set>
+                                    <p:animEffect transition="in" filter="circle(in)">
+                                      <p:cBhvr>
+                                        <p:cTn id="10" dur="500"/>
+                                        <p:tgtEl>
+                                          <p:spTgt spid="8"/>
+                                        </p:tgtEl>
+                                      </p:cBhvr>
+                                    </p:animEffect>
+                                  </p:childTnLst>
+                                </p:cTn>
+                              </p:par>
+                              <p:par>
+                                <p:cTn id="11" presetID="6" presetClass="entr" presetSubtype="16" fill="hold" nodeType="withEffect">
+                                  <p:stCondLst>
+                                    <p:cond delay="0"/>
+                                  </p:stCondLst>
+                                  <p:childTnLst>
+                                    <p:set>
+                                      <p:cBhvr>
+                                        <p:cTn id="12" dur="1" fill="hold">
+                                          <p:stCondLst>
+                                            <p:cond delay="0"/>
+                                          </p:stCondLst>
+                                        </p:cTn>
+                                        <p:tgtEl>
+                                          <p:spTgt spid="10">
+                                            <p:txEl>
+                                              <p:pRg st="0" end="0"/>
+                                            </p:txEl>
+                                          </p:spTgt>
+                                        </p:tgtEl>
+                                        <p:attrNameLst>
+                                          <p:attrName>style.visibility</p:attrName>
+                                        </p:attrNameLst>
+                                      </p:cBhvr>
+                                      <p:to>
+                                        <p:strVal val="visible"/>
+                                      </p:to>
+                                    </p:set>
+                                    <p:animEffect transition="in" filter="circle(in)">
+                                      <p:cBhvr>
+                                        <p:cTn id="13" dur="500"/>
+                                        <p:tgtEl>
+                                          <p:spTgt spid="10">
+                                            <p:txEl>
+                                              <p:pRg st="0" end="0"/>
+                                            </p:txEl>
+                                          </p:spTgt>
+                                        </p:tgtEl>
+                                      </p:cBhvr>
+                                    </p:animEffect>
+                                  </p:childTnLst>
+                                </p:cTn>
+                              </p:par>
+                            </p:childTnLst>
+                          </p:cTn>
+                        </p:par>
+                      </p:childTnLst>
+                    </p:cTn>
+                  </p:par>
+                </p:childTnLst>
+              </p:cTn>
+              <p:prevCondLst>
+                <p:cond evt="onPrev" delay="0">
+                  <p:tgtEl>
+                    <p:sldTgt/>
+                  </p:tgtEl>
+                </p:cond>
+              </p:prevCondLst>
+              <p:nextCondLst>
+                <p:cond evt="onNext" delay="0">
+                  <p:tgtEl>
+                    <p:sldTgt/>
+                  </p:tgtEl>
+                </p:cond>
+              </p:nextCondLst>
+            </p:seq>
+          </p:childTnLst>
+        </p:cTn>
+      </p:par>
+    </p:tnLst>
+    <p:bldLst>
+      <p:bldP spid="7" grpId="0"/>
+      <p:bldP spid="8" grpId="0"/>
+    </p:bldLst>
+  </p:timing>
 </p:sld>
 </file>
 
